--- a/Masterarbeit/bildsrc/Softwarequalität25010.pptx
+++ b/Masterarbeit/bildsrc/Softwarequalität25010.pptx
@@ -1206,10 +1206,24 @@
     <dgm:pt modelId="{72677BA4-8486-482F-90F8-EAAD6DBC3532}" type="parTrans" cxnId="{22760052-A489-4A5B-A5C7-E675CCE50FB7}">
       <dgm:prSet/>
       <dgm:spPr/>
+      <dgm:t>
+        <a:bodyPr/>
+        <a:lstStyle/>
+        <a:p>
+          <a:endParaRPr lang="de-DE"/>
+        </a:p>
+      </dgm:t>
     </dgm:pt>
     <dgm:pt modelId="{A5603EF9-02BC-472F-885B-5354EE83696D}" type="sibTrans" cxnId="{22760052-A489-4A5B-A5C7-E675CCE50FB7}">
       <dgm:prSet/>
       <dgm:spPr/>
+      <dgm:t>
+        <a:bodyPr/>
+        <a:lstStyle/>
+        <a:p>
+          <a:endParaRPr lang="de-DE"/>
+        </a:p>
+      </dgm:t>
     </dgm:pt>
     <dgm:pt modelId="{4F2303BD-AB05-4B35-9D60-69AFF274E35A}">
       <dgm:prSet phldrT="[Text]"/>
@@ -1229,10 +1243,24 @@
     <dgm:pt modelId="{10786199-D05B-479A-8FC5-6BAAD9D9B5ED}" type="parTrans" cxnId="{63056AE9-490D-4B5F-B68F-C65180BEFFDF}">
       <dgm:prSet/>
       <dgm:spPr/>
+      <dgm:t>
+        <a:bodyPr/>
+        <a:lstStyle/>
+        <a:p>
+          <a:endParaRPr lang="de-DE"/>
+        </a:p>
+      </dgm:t>
     </dgm:pt>
     <dgm:pt modelId="{1ED33ACE-240D-4CC7-A5F4-5F6228404950}" type="sibTrans" cxnId="{63056AE9-490D-4B5F-B68F-C65180BEFFDF}">
       <dgm:prSet/>
       <dgm:spPr/>
+      <dgm:t>
+        <a:bodyPr/>
+        <a:lstStyle/>
+        <a:p>
+          <a:endParaRPr lang="de-DE"/>
+        </a:p>
+      </dgm:t>
     </dgm:pt>
     <dgm:pt modelId="{F5BB63CC-C65F-463D-928D-75B9F7381970}" type="pres">
       <dgm:prSet presAssocID="{CA381935-7D3A-4C10-96B5-2390B723FED1}" presName="Name0" presStyleCnt="0">
@@ -1265,7 +1293,7 @@
       </dgm:t>
     </dgm:pt>
     <dgm:pt modelId="{7091EBE3-13A4-4BA7-B114-C923B67426BC}" type="pres">
-      <dgm:prSet presAssocID="{AEE65857-68C9-45ED-9D8C-DB641C64C632}" presName="txOne" presStyleLbl="node0" presStyleIdx="0" presStyleCnt="1">
+      <dgm:prSet presAssocID="{AEE65857-68C9-45ED-9D8C-DB641C64C632}" presName="txOne" presStyleLbl="node0" presStyleIdx="0" presStyleCnt="1" custScaleY="45258">
         <dgm:presLayoutVars>
           <dgm:chPref val="3"/>
         </dgm:presLayoutVars>
@@ -1693,7 +1721,7 @@
   <dgm:whole/>
   <dgm:extLst>
     <a:ext uri="http://schemas.microsoft.com/office/drawing/2008/diagram">
-      <dsp:dataModelExt xmlns:dsp="http://schemas.microsoft.com/office/drawing/2008/diagram" xmlns="" relId="rId6" minVer="http://schemas.openxmlformats.org/drawingml/2006/diagram"/>
+      <dsp:dataModelExt xmlns="" xmlns:dsp="http://schemas.microsoft.com/office/drawing/2008/diagram" relId="rId6" minVer="http://schemas.openxmlformats.org/drawingml/2006/diagram"/>
     </a:ext>
   </dgm:extLst>
 </dgm:dataModel>
@@ -4252,7 +4280,7 @@
             <a:fld id="{A469A510-19D9-4333-9529-B319026D94C0}" type="datetimeFigureOut">
               <a:rPr lang="de-DE" smtClean="0"/>
               <a:pPr/>
-              <a:t>15.12.2015</a:t>
+              <a:t>18.01.2016</a:t>
             </a:fld>
             <a:endParaRPr lang="de-DE"/>
           </a:p>
@@ -4419,7 +4447,7 @@
             <a:fld id="{A469A510-19D9-4333-9529-B319026D94C0}" type="datetimeFigureOut">
               <a:rPr lang="de-DE" smtClean="0"/>
               <a:pPr/>
-              <a:t>15.12.2015</a:t>
+              <a:t>18.01.2016</a:t>
             </a:fld>
             <a:endParaRPr lang="de-DE"/>
           </a:p>
@@ -4596,7 +4624,7 @@
             <a:fld id="{A469A510-19D9-4333-9529-B319026D94C0}" type="datetimeFigureOut">
               <a:rPr lang="de-DE" smtClean="0"/>
               <a:pPr/>
-              <a:t>15.12.2015</a:t>
+              <a:t>18.01.2016</a:t>
             </a:fld>
             <a:endParaRPr lang="de-DE"/>
           </a:p>
@@ -4763,7 +4791,7 @@
             <a:fld id="{A469A510-19D9-4333-9529-B319026D94C0}" type="datetimeFigureOut">
               <a:rPr lang="de-DE" smtClean="0"/>
               <a:pPr/>
-              <a:t>15.12.2015</a:t>
+              <a:t>18.01.2016</a:t>
             </a:fld>
             <a:endParaRPr lang="de-DE"/>
           </a:p>
@@ -5006,7 +5034,7 @@
             <a:fld id="{A469A510-19D9-4333-9529-B319026D94C0}" type="datetimeFigureOut">
               <a:rPr lang="de-DE" smtClean="0"/>
               <a:pPr/>
-              <a:t>15.12.2015</a:t>
+              <a:t>18.01.2016</a:t>
             </a:fld>
             <a:endParaRPr lang="de-DE"/>
           </a:p>
@@ -5291,7 +5319,7 @@
             <a:fld id="{A469A510-19D9-4333-9529-B319026D94C0}" type="datetimeFigureOut">
               <a:rPr lang="de-DE" smtClean="0"/>
               <a:pPr/>
-              <a:t>15.12.2015</a:t>
+              <a:t>18.01.2016</a:t>
             </a:fld>
             <a:endParaRPr lang="de-DE"/>
           </a:p>
@@ -5710,7 +5738,7 @@
             <a:fld id="{A469A510-19D9-4333-9529-B319026D94C0}" type="datetimeFigureOut">
               <a:rPr lang="de-DE" smtClean="0"/>
               <a:pPr/>
-              <a:t>15.12.2015</a:t>
+              <a:t>18.01.2016</a:t>
             </a:fld>
             <a:endParaRPr lang="de-DE"/>
           </a:p>
@@ -5825,7 +5853,7 @@
             <a:fld id="{A469A510-19D9-4333-9529-B319026D94C0}" type="datetimeFigureOut">
               <a:rPr lang="de-DE" smtClean="0"/>
               <a:pPr/>
-              <a:t>15.12.2015</a:t>
+              <a:t>18.01.2016</a:t>
             </a:fld>
             <a:endParaRPr lang="de-DE"/>
           </a:p>
@@ -5917,7 +5945,7 @@
             <a:fld id="{A469A510-19D9-4333-9529-B319026D94C0}" type="datetimeFigureOut">
               <a:rPr lang="de-DE" smtClean="0"/>
               <a:pPr/>
-              <a:t>15.12.2015</a:t>
+              <a:t>18.01.2016</a:t>
             </a:fld>
             <a:endParaRPr lang="de-DE"/>
           </a:p>
@@ -6191,7 +6219,7 @@
             <a:fld id="{A469A510-19D9-4333-9529-B319026D94C0}" type="datetimeFigureOut">
               <a:rPr lang="de-DE" smtClean="0"/>
               <a:pPr/>
-              <a:t>15.12.2015</a:t>
+              <a:t>18.01.2016</a:t>
             </a:fld>
             <a:endParaRPr lang="de-DE"/>
           </a:p>
@@ -6441,7 +6469,7 @@
             <a:fld id="{A469A510-19D9-4333-9529-B319026D94C0}" type="datetimeFigureOut">
               <a:rPr lang="de-DE" smtClean="0"/>
               <a:pPr/>
-              <a:t>15.12.2015</a:t>
+              <a:t>18.01.2016</a:t>
             </a:fld>
             <a:endParaRPr lang="de-DE"/>
           </a:p>
@@ -6651,7 +6679,7 @@
             <a:fld id="{A469A510-19D9-4333-9529-B319026D94C0}" type="datetimeFigureOut">
               <a:rPr lang="de-DE" smtClean="0"/>
               <a:pPr/>
-              <a:t>15.12.2015</a:t>
+              <a:t>18.01.2016</a:t>
             </a:fld>
             <a:endParaRPr lang="de-DE"/>
           </a:p>
@@ -7125,7 +7153,7 @@
         </p:nvGraphicFramePr>
         <p:xfrm>
           <a:off x="467544" y="1268760"/>
-          <a:ext cx="8229600" cy="4525963"/>
+          <a:ext cx="8229600" cy="3731875"/>
         </p:xfrm>
         <a:graphic>
           <a:graphicData uri="http://schemas.openxmlformats.org/drawingml/2006/diagram">
